--- a/src/lectures/android-file-system/android-file-system.pptx
+++ b/src/lectures/android-file-system/android-file-system.pptx
@@ -211,7 +211,7 @@
           <a:p>
             <a:fld id="{DA6808C5-5EA0-46BB-A88A-E6C0C83F7E47}" type="datetimeFigureOut">
               <a:rPr lang="en-US" smtClean="0"/>
-              <a:t>2/2/2020</a:t>
+              <a:t>2/3/2020</a:t>
             </a:fld>
             <a:endParaRPr lang="en-US"/>
           </a:p>
@@ -520,7 +520,7 @@
           <a:p>
             <a:fld id="{428859CC-B640-4DB3-BB6F-301CDED75AAD}" type="datetimeFigureOut">
               <a:rPr lang="sv-SE" smtClean="0"/>
-              <a:t>2020-02-02</a:t>
+              <a:t>2020-02-03</a:t>
             </a:fld>
             <a:endParaRPr lang="sv-SE"/>
           </a:p>
@@ -870,7 +870,7 @@
           <a:p>
             <a:fld id="{428859CC-B640-4DB3-BB6F-301CDED75AAD}" type="datetimeFigureOut">
               <a:rPr lang="sv-SE" smtClean="0"/>
-              <a:t>2020-02-02</a:t>
+              <a:t>2020-02-03</a:t>
             </a:fld>
             <a:endParaRPr lang="sv-SE"/>
           </a:p>
@@ -1120,7 +1120,7 @@
           <a:p>
             <a:fld id="{428859CC-B640-4DB3-BB6F-301CDED75AAD}" type="datetimeFigureOut">
               <a:rPr lang="sv-SE" smtClean="0"/>
-              <a:t>2020-02-02</a:t>
+              <a:t>2020-02-03</a:t>
             </a:fld>
             <a:endParaRPr lang="sv-SE"/>
           </a:p>
@@ -1479,7 +1479,7 @@
           <a:p>
             <a:fld id="{428859CC-B640-4DB3-BB6F-301CDED75AAD}" type="datetimeFigureOut">
               <a:rPr lang="sv-SE" smtClean="0"/>
-              <a:t>2020-02-02</a:t>
+              <a:t>2020-02-03</a:t>
             </a:fld>
             <a:endParaRPr lang="sv-SE"/>
           </a:p>
@@ -1830,7 +1830,7 @@
           <a:p>
             <a:fld id="{428859CC-B640-4DB3-BB6F-301CDED75AAD}" type="datetimeFigureOut">
               <a:rPr lang="sv-SE" smtClean="0"/>
-              <a:t>2020-02-02</a:t>
+              <a:t>2020-02-03</a:t>
             </a:fld>
             <a:endParaRPr lang="sv-SE"/>
           </a:p>
@@ -2262,7 +2262,7 @@
           <a:p>
             <a:fld id="{428859CC-B640-4DB3-BB6F-301CDED75AAD}" type="datetimeFigureOut">
               <a:rPr lang="sv-SE" smtClean="0"/>
-              <a:t>2020-02-02</a:t>
+              <a:t>2020-02-03</a:t>
             </a:fld>
             <a:endParaRPr lang="sv-SE"/>
           </a:p>
@@ -2686,7 +2686,7 @@
           <a:p>
             <a:fld id="{428859CC-B640-4DB3-BB6F-301CDED75AAD}" type="datetimeFigureOut">
               <a:rPr lang="sv-SE" smtClean="0"/>
-              <a:t>2020-02-02</a:t>
+              <a:t>2020-02-03</a:t>
             </a:fld>
             <a:endParaRPr lang="sv-SE"/>
           </a:p>
@@ -3118,7 +3118,7 @@
           <a:p>
             <a:fld id="{428859CC-B640-4DB3-BB6F-301CDED75AAD}" type="datetimeFigureOut">
               <a:rPr lang="sv-SE" smtClean="0"/>
-              <a:t>2020-02-02</a:t>
+              <a:t>2020-02-03</a:t>
             </a:fld>
             <a:endParaRPr lang="sv-SE"/>
           </a:p>
@@ -3444,7 +3444,7 @@
           <a:p>
             <a:fld id="{428859CC-B640-4DB3-BB6F-301CDED75AAD}" type="datetimeFigureOut">
               <a:rPr lang="sv-SE" smtClean="0"/>
-              <a:t>2020-02-02</a:t>
+              <a:t>2020-02-03</a:t>
             </a:fld>
             <a:endParaRPr lang="sv-SE"/>
           </a:p>
@@ -3644,7 +3644,7 @@
           <a:p>
             <a:fld id="{428859CC-B640-4DB3-BB6F-301CDED75AAD}" type="datetimeFigureOut">
               <a:rPr lang="sv-SE" smtClean="0"/>
-              <a:t>2020-02-02</a:t>
+              <a:t>2020-02-03</a:t>
             </a:fld>
             <a:endParaRPr lang="sv-SE"/>
           </a:p>
@@ -3805,7 +3805,7 @@
           <a:p>
             <a:fld id="{428859CC-B640-4DB3-BB6F-301CDED75AAD}" type="datetimeFigureOut">
               <a:rPr lang="sv-SE" smtClean="0"/>
-              <a:t>2020-02-02</a:t>
+              <a:t>2020-02-03</a:t>
             </a:fld>
             <a:endParaRPr lang="sv-SE"/>
           </a:p>
@@ -4076,7 +4076,7 @@
           <a:p>
             <a:fld id="{428859CC-B640-4DB3-BB6F-301CDED75AAD}" type="datetimeFigureOut">
               <a:rPr lang="sv-SE" smtClean="0"/>
-              <a:t>2020-02-02</a:t>
+              <a:t>2020-02-03</a:t>
             </a:fld>
             <a:endParaRPr lang="sv-SE"/>
           </a:p>
@@ -4281,7 +4281,7 @@
           <a:p>
             <a:fld id="{428859CC-B640-4DB3-BB6F-301CDED75AAD}" type="datetimeFigureOut">
               <a:rPr lang="sv-SE" smtClean="0"/>
-              <a:t>2020-02-02</a:t>
+              <a:t>2020-02-03</a:t>
             </a:fld>
             <a:endParaRPr lang="sv-SE"/>
           </a:p>
@@ -4503,7 +4503,7 @@
           <a:p>
             <a:fld id="{428859CC-B640-4DB3-BB6F-301CDED75AAD}" type="datetimeFigureOut">
               <a:rPr lang="sv-SE" smtClean="0"/>
-              <a:t>2020-02-02</a:t>
+              <a:t>2020-02-03</a:t>
             </a:fld>
             <a:endParaRPr lang="sv-SE"/>
           </a:p>
@@ -4737,7 +4737,7 @@
           <a:p>
             <a:fld id="{428859CC-B640-4DB3-BB6F-301CDED75AAD}" type="datetimeFigureOut">
               <a:rPr lang="sv-SE" smtClean="0"/>
-              <a:t>2020-02-02</a:t>
+              <a:t>2020-02-03</a:t>
             </a:fld>
             <a:endParaRPr lang="sv-SE"/>
           </a:p>
@@ -4959,7 +4959,7 @@
           <a:p>
             <a:fld id="{428859CC-B640-4DB3-BB6F-301CDED75AAD}" type="datetimeFigureOut">
               <a:rPr lang="sv-SE" smtClean="0"/>
-              <a:t>2020-02-02</a:t>
+              <a:t>2020-02-03</a:t>
             </a:fld>
             <a:endParaRPr lang="sv-SE"/>
           </a:p>
@@ -5193,7 +5193,7 @@
           <a:p>
             <a:fld id="{428859CC-B640-4DB3-BB6F-301CDED75AAD}" type="datetimeFigureOut">
               <a:rPr lang="sv-SE" smtClean="0"/>
-              <a:t>2020-02-02</a:t>
+              <a:t>2020-02-03</a:t>
             </a:fld>
             <a:endParaRPr lang="sv-SE"/>
           </a:p>
@@ -5607,7 +5607,7 @@
           <a:p>
             <a:fld id="{428859CC-B640-4DB3-BB6F-301CDED75AAD}" type="datetimeFigureOut">
               <a:rPr lang="sv-SE" smtClean="0"/>
-              <a:t>2020-02-02</a:t>
+              <a:t>2020-02-03</a:t>
             </a:fld>
             <a:endParaRPr lang="sv-SE"/>
           </a:p>
@@ -6019,7 +6019,7 @@
           <a:p>
             <a:fld id="{428859CC-B640-4DB3-BB6F-301CDED75AAD}" type="datetimeFigureOut">
               <a:rPr lang="sv-SE" smtClean="0"/>
-              <a:t>2020-02-02</a:t>
+              <a:t>2020-02-03</a:t>
             </a:fld>
             <a:endParaRPr lang="sv-SE"/>
           </a:p>
@@ -6336,7 +6336,7 @@
           <a:p>
             <a:fld id="{428859CC-B640-4DB3-BB6F-301CDED75AAD}" type="datetimeFigureOut">
               <a:rPr lang="sv-SE" smtClean="0"/>
-              <a:t>2020-02-02</a:t>
+              <a:t>2020-02-03</a:t>
             </a:fld>
             <a:endParaRPr lang="sv-SE"/>
           </a:p>
@@ -6651,7 +6651,7 @@
           <a:p>
             <a:fld id="{428859CC-B640-4DB3-BB6F-301CDED75AAD}" type="datetimeFigureOut">
               <a:rPr lang="sv-SE" smtClean="0"/>
-              <a:t>2020-02-02</a:t>
+              <a:t>2020-02-03</a:t>
             </a:fld>
             <a:endParaRPr lang="sv-SE"/>
           </a:p>
@@ -6939,7 +6939,7 @@
           <a:p>
             <a:fld id="{428859CC-B640-4DB3-BB6F-301CDED75AAD}" type="datetimeFigureOut">
               <a:rPr lang="sv-SE" smtClean="0"/>
-              <a:t>2020-02-02</a:t>
+              <a:t>2020-02-03</a:t>
             </a:fld>
             <a:endParaRPr lang="sv-SE"/>
           </a:p>
@@ -7354,7 +7354,7 @@
           <a:p>
             <a:fld id="{428859CC-B640-4DB3-BB6F-301CDED75AAD}" type="datetimeFigureOut">
               <a:rPr lang="sv-SE" smtClean="0"/>
-              <a:t>2020-02-02</a:t>
+              <a:t>2020-02-03</a:t>
             </a:fld>
             <a:endParaRPr lang="sv-SE"/>
           </a:p>
@@ -7570,7 +7570,7 @@
           <a:p>
             <a:fld id="{428859CC-B640-4DB3-BB6F-301CDED75AAD}" type="datetimeFigureOut">
               <a:rPr lang="sv-SE" smtClean="0"/>
-              <a:t>2020-02-02</a:t>
+              <a:t>2020-02-03</a:t>
             </a:fld>
             <a:endParaRPr lang="sv-SE"/>
           </a:p>

--- a/src/lectures/android-file-system/android-file-system.pptx
+++ b/src/lectures/android-file-system/android-file-system.pptx
@@ -211,7 +211,7 @@
           <a:p>
             <a:fld id="{DA6808C5-5EA0-46BB-A88A-E6C0C83F7E47}" type="datetimeFigureOut">
               <a:rPr lang="en-US" smtClean="0"/>
-              <a:t>2/3/2020</a:t>
+              <a:t>2/7/2020</a:t>
             </a:fld>
             <a:endParaRPr lang="en-US"/>
           </a:p>
@@ -520,7 +520,7 @@
           <a:p>
             <a:fld id="{428859CC-B640-4DB3-BB6F-301CDED75AAD}" type="datetimeFigureOut">
               <a:rPr lang="sv-SE" smtClean="0"/>
-              <a:t>2020-02-03</a:t>
+              <a:t>2020-02-07</a:t>
             </a:fld>
             <a:endParaRPr lang="sv-SE"/>
           </a:p>
@@ -870,7 +870,7 @@
           <a:p>
             <a:fld id="{428859CC-B640-4DB3-BB6F-301CDED75AAD}" type="datetimeFigureOut">
               <a:rPr lang="sv-SE" smtClean="0"/>
-              <a:t>2020-02-03</a:t>
+              <a:t>2020-02-07</a:t>
             </a:fld>
             <a:endParaRPr lang="sv-SE"/>
           </a:p>
@@ -1120,7 +1120,7 @@
           <a:p>
             <a:fld id="{428859CC-B640-4DB3-BB6F-301CDED75AAD}" type="datetimeFigureOut">
               <a:rPr lang="sv-SE" smtClean="0"/>
-              <a:t>2020-02-03</a:t>
+              <a:t>2020-02-07</a:t>
             </a:fld>
             <a:endParaRPr lang="sv-SE"/>
           </a:p>
@@ -1479,7 +1479,7 @@
           <a:p>
             <a:fld id="{428859CC-B640-4DB3-BB6F-301CDED75AAD}" type="datetimeFigureOut">
               <a:rPr lang="sv-SE" smtClean="0"/>
-              <a:t>2020-02-03</a:t>
+              <a:t>2020-02-07</a:t>
             </a:fld>
             <a:endParaRPr lang="sv-SE"/>
           </a:p>
@@ -1830,7 +1830,7 @@
           <a:p>
             <a:fld id="{428859CC-B640-4DB3-BB6F-301CDED75AAD}" type="datetimeFigureOut">
               <a:rPr lang="sv-SE" smtClean="0"/>
-              <a:t>2020-02-03</a:t>
+              <a:t>2020-02-07</a:t>
             </a:fld>
             <a:endParaRPr lang="sv-SE"/>
           </a:p>
@@ -2262,7 +2262,7 @@
           <a:p>
             <a:fld id="{428859CC-B640-4DB3-BB6F-301CDED75AAD}" type="datetimeFigureOut">
               <a:rPr lang="sv-SE" smtClean="0"/>
-              <a:t>2020-02-03</a:t>
+              <a:t>2020-02-07</a:t>
             </a:fld>
             <a:endParaRPr lang="sv-SE"/>
           </a:p>
@@ -2686,7 +2686,7 @@
           <a:p>
             <a:fld id="{428859CC-B640-4DB3-BB6F-301CDED75AAD}" type="datetimeFigureOut">
               <a:rPr lang="sv-SE" smtClean="0"/>
-              <a:t>2020-02-03</a:t>
+              <a:t>2020-02-07</a:t>
             </a:fld>
             <a:endParaRPr lang="sv-SE"/>
           </a:p>
@@ -3118,7 +3118,7 @@
           <a:p>
             <a:fld id="{428859CC-B640-4DB3-BB6F-301CDED75AAD}" type="datetimeFigureOut">
               <a:rPr lang="sv-SE" smtClean="0"/>
-              <a:t>2020-02-03</a:t>
+              <a:t>2020-02-07</a:t>
             </a:fld>
             <a:endParaRPr lang="sv-SE"/>
           </a:p>
@@ -3444,7 +3444,7 @@
           <a:p>
             <a:fld id="{428859CC-B640-4DB3-BB6F-301CDED75AAD}" type="datetimeFigureOut">
               <a:rPr lang="sv-SE" smtClean="0"/>
-              <a:t>2020-02-03</a:t>
+              <a:t>2020-02-07</a:t>
             </a:fld>
             <a:endParaRPr lang="sv-SE"/>
           </a:p>
@@ -3644,7 +3644,7 @@
           <a:p>
             <a:fld id="{428859CC-B640-4DB3-BB6F-301CDED75AAD}" type="datetimeFigureOut">
               <a:rPr lang="sv-SE" smtClean="0"/>
-              <a:t>2020-02-03</a:t>
+              <a:t>2020-02-07</a:t>
             </a:fld>
             <a:endParaRPr lang="sv-SE"/>
           </a:p>
@@ -3805,7 +3805,7 @@
           <a:p>
             <a:fld id="{428859CC-B640-4DB3-BB6F-301CDED75AAD}" type="datetimeFigureOut">
               <a:rPr lang="sv-SE" smtClean="0"/>
-              <a:t>2020-02-03</a:t>
+              <a:t>2020-02-07</a:t>
             </a:fld>
             <a:endParaRPr lang="sv-SE"/>
           </a:p>
@@ -4076,7 +4076,7 @@
           <a:p>
             <a:fld id="{428859CC-B640-4DB3-BB6F-301CDED75AAD}" type="datetimeFigureOut">
               <a:rPr lang="sv-SE" smtClean="0"/>
-              <a:t>2020-02-03</a:t>
+              <a:t>2020-02-07</a:t>
             </a:fld>
             <a:endParaRPr lang="sv-SE"/>
           </a:p>
@@ -4281,7 +4281,7 @@
           <a:p>
             <a:fld id="{428859CC-B640-4DB3-BB6F-301CDED75AAD}" type="datetimeFigureOut">
               <a:rPr lang="sv-SE" smtClean="0"/>
-              <a:t>2020-02-03</a:t>
+              <a:t>2020-02-07</a:t>
             </a:fld>
             <a:endParaRPr lang="sv-SE"/>
           </a:p>
@@ -4503,7 +4503,7 @@
           <a:p>
             <a:fld id="{428859CC-B640-4DB3-BB6F-301CDED75AAD}" type="datetimeFigureOut">
               <a:rPr lang="sv-SE" smtClean="0"/>
-              <a:t>2020-02-03</a:t>
+              <a:t>2020-02-07</a:t>
             </a:fld>
             <a:endParaRPr lang="sv-SE"/>
           </a:p>
@@ -4737,7 +4737,7 @@
           <a:p>
             <a:fld id="{428859CC-B640-4DB3-BB6F-301CDED75AAD}" type="datetimeFigureOut">
               <a:rPr lang="sv-SE" smtClean="0"/>
-              <a:t>2020-02-03</a:t>
+              <a:t>2020-02-07</a:t>
             </a:fld>
             <a:endParaRPr lang="sv-SE"/>
           </a:p>
@@ -4959,7 +4959,7 @@
           <a:p>
             <a:fld id="{428859CC-B640-4DB3-BB6F-301CDED75AAD}" type="datetimeFigureOut">
               <a:rPr lang="sv-SE" smtClean="0"/>
-              <a:t>2020-02-03</a:t>
+              <a:t>2020-02-07</a:t>
             </a:fld>
             <a:endParaRPr lang="sv-SE"/>
           </a:p>
@@ -5193,7 +5193,7 @@
           <a:p>
             <a:fld id="{428859CC-B640-4DB3-BB6F-301CDED75AAD}" type="datetimeFigureOut">
               <a:rPr lang="sv-SE" smtClean="0"/>
-              <a:t>2020-02-03</a:t>
+              <a:t>2020-02-07</a:t>
             </a:fld>
             <a:endParaRPr lang="sv-SE"/>
           </a:p>
@@ -5607,7 +5607,7 @@
           <a:p>
             <a:fld id="{428859CC-B640-4DB3-BB6F-301CDED75AAD}" type="datetimeFigureOut">
               <a:rPr lang="sv-SE" smtClean="0"/>
-              <a:t>2020-02-03</a:t>
+              <a:t>2020-02-07</a:t>
             </a:fld>
             <a:endParaRPr lang="sv-SE"/>
           </a:p>
@@ -6019,7 +6019,7 @@
           <a:p>
             <a:fld id="{428859CC-B640-4DB3-BB6F-301CDED75AAD}" type="datetimeFigureOut">
               <a:rPr lang="sv-SE" smtClean="0"/>
-              <a:t>2020-02-03</a:t>
+              <a:t>2020-02-07</a:t>
             </a:fld>
             <a:endParaRPr lang="sv-SE"/>
           </a:p>
@@ -6336,7 +6336,7 @@
           <a:p>
             <a:fld id="{428859CC-B640-4DB3-BB6F-301CDED75AAD}" type="datetimeFigureOut">
               <a:rPr lang="sv-SE" smtClean="0"/>
-              <a:t>2020-02-03</a:t>
+              <a:t>2020-02-07</a:t>
             </a:fld>
             <a:endParaRPr lang="sv-SE"/>
           </a:p>
@@ -6651,7 +6651,7 @@
           <a:p>
             <a:fld id="{428859CC-B640-4DB3-BB6F-301CDED75AAD}" type="datetimeFigureOut">
               <a:rPr lang="sv-SE" smtClean="0"/>
-              <a:t>2020-02-03</a:t>
+              <a:t>2020-02-07</a:t>
             </a:fld>
             <a:endParaRPr lang="sv-SE"/>
           </a:p>
@@ -6939,7 +6939,7 @@
           <a:p>
             <a:fld id="{428859CC-B640-4DB3-BB6F-301CDED75AAD}" type="datetimeFigureOut">
               <a:rPr lang="sv-SE" smtClean="0"/>
-              <a:t>2020-02-03</a:t>
+              <a:t>2020-02-07</a:t>
             </a:fld>
             <a:endParaRPr lang="sv-SE"/>
           </a:p>
@@ -7354,7 +7354,7 @@
           <a:p>
             <a:fld id="{428859CC-B640-4DB3-BB6F-301CDED75AAD}" type="datetimeFigureOut">
               <a:rPr lang="sv-SE" smtClean="0"/>
-              <a:t>2020-02-03</a:t>
+              <a:t>2020-02-07</a:t>
             </a:fld>
             <a:endParaRPr lang="sv-SE"/>
           </a:p>
@@ -7570,7 +7570,7 @@
           <a:p>
             <a:fld id="{428859CC-B640-4DB3-BB6F-301CDED75AAD}" type="datetimeFigureOut">
               <a:rPr lang="sv-SE" smtClean="0"/>
-              <a:t>2020-02-03</a:t>
+              <a:t>2020-02-07</a:t>
             </a:fld>
             <a:endParaRPr lang="sv-SE"/>
           </a:p>
@@ -20202,7 +20202,7 @@
           <a:p>
             <a:r>
               <a:rPr lang="en-US" dirty="0"/>
-              <a:t>The file system - Summary</a:t>
+              <a:t>The file system</a:t>
             </a:r>
           </a:p>
         </p:txBody>
